--- a/Pokemon_Arena.pptx
+++ b/Pokemon_Arena.pptx
@@ -2477,7 +2477,7 @@
           <a:p>
             <a:fld id="{3C04E684-10F4-4CC3-A0B9-F03AA7BE37CF}" type="datetimeFigureOut">
               <a:rPr lang="en-US" smtClean="0"/>
-              <a:t>3/29/2020</a:t>
+              <a:t>3/30/2020</a:t>
             </a:fld>
             <a:endParaRPr lang="en-US"/>
           </a:p>
@@ -4967,7 +4967,7 @@
           <a:p>
             <a:fld id="{3C04E684-10F4-4CC3-A0B9-F03AA7BE37CF}" type="datetimeFigureOut">
               <a:rPr lang="en-US" smtClean="0"/>
-              <a:t>3/29/2020</a:t>
+              <a:t>3/30/2020</a:t>
             </a:fld>
             <a:endParaRPr lang="en-US"/>
           </a:p>
@@ -5165,7 +5165,7 @@
           <a:p>
             <a:fld id="{3C04E684-10F4-4CC3-A0B9-F03AA7BE37CF}" type="datetimeFigureOut">
               <a:rPr lang="en-US" smtClean="0"/>
-              <a:t>3/29/2020</a:t>
+              <a:t>3/30/2020</a:t>
             </a:fld>
             <a:endParaRPr lang="en-US"/>
           </a:p>
@@ -5373,7 +5373,7 @@
           <a:p>
             <a:fld id="{3C04E684-10F4-4CC3-A0B9-F03AA7BE37CF}" type="datetimeFigureOut">
               <a:rPr lang="en-US" smtClean="0"/>
-              <a:t>3/29/2020</a:t>
+              <a:t>3/30/2020</a:t>
             </a:fld>
             <a:endParaRPr lang="en-US"/>
           </a:p>
@@ -5593,7 +5593,7 @@
           <a:p>
             <a:fld id="{ED291B17-9318-49DB-B28B-6E5994AE9581}" type="datetime1">
               <a:rPr lang="en-US" smtClean="0"/>
-              <a:t>3/29/2020</a:t>
+              <a:t>3/30/2020</a:t>
             </a:fld>
             <a:endParaRPr lang="en-US"/>
           </a:p>
@@ -5792,7 +5792,7 @@
           <a:p>
             <a:fld id="{ED291B17-9318-49DB-B28B-6E5994AE9581}" type="datetime1">
               <a:rPr lang="en-US" smtClean="0"/>
-              <a:t>3/29/2020</a:t>
+              <a:t>3/30/2020</a:t>
             </a:fld>
             <a:endParaRPr lang="en-US"/>
           </a:p>
@@ -6068,7 +6068,7 @@
           <a:p>
             <a:fld id="{ED291B17-9318-49DB-B28B-6E5994AE9581}" type="datetime1">
               <a:rPr lang="en-US" smtClean="0"/>
-              <a:t>3/29/2020</a:t>
+              <a:t>3/30/2020</a:t>
             </a:fld>
             <a:endParaRPr lang="en-US"/>
           </a:p>
@@ -6334,7 +6334,7 @@
           <a:p>
             <a:fld id="{ED291B17-9318-49DB-B28B-6E5994AE9581}" type="datetime1">
               <a:rPr lang="en-US" smtClean="0"/>
-              <a:t>3/29/2020</a:t>
+              <a:t>3/30/2020</a:t>
             </a:fld>
             <a:endParaRPr lang="en-US"/>
           </a:p>
@@ -6747,7 +6747,7 @@
           <a:p>
             <a:fld id="{ED291B17-9318-49DB-B28B-6E5994AE9581}" type="datetime1">
               <a:rPr lang="en-US" smtClean="0"/>
-              <a:t>3/29/2020</a:t>
+              <a:t>3/30/2020</a:t>
             </a:fld>
             <a:endParaRPr lang="en-US"/>
           </a:p>
@@ -6889,7 +6889,7 @@
           <a:p>
             <a:fld id="{ED291B17-9318-49DB-B28B-6E5994AE9581}" type="datetime1">
               <a:rPr lang="en-US" smtClean="0"/>
-              <a:t>3/29/2020</a:t>
+              <a:t>3/30/2020</a:t>
             </a:fld>
             <a:endParaRPr lang="en-US"/>
           </a:p>
@@ -7003,7 +7003,7 @@
           <a:p>
             <a:fld id="{ED291B17-9318-49DB-B28B-6E5994AE9581}" type="datetime1">
               <a:rPr lang="en-US" smtClean="0"/>
-              <a:t>3/29/2020</a:t>
+              <a:t>3/30/2020</a:t>
             </a:fld>
             <a:endParaRPr lang="en-US"/>
           </a:p>
@@ -7741,7 +7741,7 @@
           <a:p>
             <a:fld id="{3C04E684-10F4-4CC3-A0B9-F03AA7BE37CF}" type="datetimeFigureOut">
               <a:rPr lang="en-US" smtClean="0"/>
-              <a:t>3/29/2020</a:t>
+              <a:t>3/30/2020</a:t>
             </a:fld>
             <a:endParaRPr lang="en-US"/>
           </a:p>
@@ -8052,7 +8052,7 @@
           <a:p>
             <a:fld id="{ED291B17-9318-49DB-B28B-6E5994AE9581}" type="datetime1">
               <a:rPr lang="en-US" smtClean="0"/>
-              <a:t>3/29/2020</a:t>
+              <a:t>3/30/2020</a:t>
             </a:fld>
             <a:endParaRPr lang="en-US"/>
           </a:p>
@@ -8341,7 +8341,7 @@
           <a:p>
             <a:fld id="{ED291B17-9318-49DB-B28B-6E5994AE9581}" type="datetime1">
               <a:rPr lang="en-US" smtClean="0"/>
-              <a:t>3/29/2020</a:t>
+              <a:t>3/30/2020</a:t>
             </a:fld>
             <a:endParaRPr lang="en-US"/>
           </a:p>
@@ -8540,7 +8540,7 @@
           <a:p>
             <a:fld id="{ED291B17-9318-49DB-B28B-6E5994AE9581}" type="datetime1">
               <a:rPr lang="en-US" smtClean="0"/>
-              <a:t>3/29/2020</a:t>
+              <a:t>3/30/2020</a:t>
             </a:fld>
             <a:endParaRPr lang="en-US"/>
           </a:p>
@@ -8749,7 +8749,7 @@
           <a:p>
             <a:fld id="{ED291B17-9318-49DB-B28B-6E5994AE9581}" type="datetime1">
               <a:rPr lang="en-US" smtClean="0"/>
-              <a:t>3/29/2020</a:t>
+              <a:t>3/30/2020</a:t>
             </a:fld>
             <a:endParaRPr lang="en-US"/>
           </a:p>
@@ -9392,7 +9392,7 @@
           <a:p>
             <a:fld id="{3C04E684-10F4-4CC3-A0B9-F03AA7BE37CF}" type="datetimeFigureOut">
               <a:rPr lang="en-US" smtClean="0"/>
-              <a:t>3/29/2020</a:t>
+              <a:t>3/30/2020</a:t>
             </a:fld>
             <a:endParaRPr lang="en-US"/>
           </a:p>
@@ -10192,7 +10192,7 @@
           <a:p>
             <a:fld id="{3C04E684-10F4-4CC3-A0B9-F03AA7BE37CF}" type="datetimeFigureOut">
               <a:rPr lang="en-US" smtClean="0"/>
-              <a:t>3/29/2020</a:t>
+              <a:t>3/30/2020</a:t>
             </a:fld>
             <a:endParaRPr lang="en-US"/>
           </a:p>
@@ -11143,7 +11143,7 @@
           <a:p>
             <a:fld id="{3C04E684-10F4-4CC3-A0B9-F03AA7BE37CF}" type="datetimeFigureOut">
               <a:rPr lang="en-US" smtClean="0"/>
-              <a:t>3/29/2020</a:t>
+              <a:t>3/30/2020</a:t>
             </a:fld>
             <a:endParaRPr lang="en-US"/>
           </a:p>
@@ -13492,7 +13492,7 @@
           <a:p>
             <a:fld id="{3C04E684-10F4-4CC3-A0B9-F03AA7BE37CF}" type="datetimeFigureOut">
               <a:rPr lang="en-US" smtClean="0"/>
-              <a:t>3/29/2020</a:t>
+              <a:t>3/30/2020</a:t>
             </a:fld>
             <a:endParaRPr lang="en-US"/>
           </a:p>
@@ -13605,7 +13605,7 @@
           <a:p>
             <a:fld id="{3C04E684-10F4-4CC3-A0B9-F03AA7BE37CF}" type="datetimeFigureOut">
               <a:rPr lang="en-US" smtClean="0"/>
-              <a:t>3/29/2020</a:t>
+              <a:t>3/30/2020</a:t>
             </a:fld>
             <a:endParaRPr lang="en-US"/>
           </a:p>
@@ -14112,7 +14112,7 @@
           <a:p>
             <a:fld id="{3C04E684-10F4-4CC3-A0B9-F03AA7BE37CF}" type="datetimeFigureOut">
               <a:rPr lang="en-US" smtClean="0"/>
-              <a:t>3/29/2020</a:t>
+              <a:t>3/30/2020</a:t>
             </a:fld>
             <a:endParaRPr lang="en-US"/>
           </a:p>
@@ -15415,7 +15415,7 @@
           <a:p>
             <a:fld id="{3C04E684-10F4-4CC3-A0B9-F03AA7BE37CF}" type="datetimeFigureOut">
               <a:rPr lang="en-US" smtClean="0"/>
-              <a:t>3/29/2020</a:t>
+              <a:t>3/30/2020</a:t>
             </a:fld>
             <a:endParaRPr lang="en-US"/>
           </a:p>
@@ -15671,7 +15671,7 @@
           <a:p>
             <a:fld id="{3C04E684-10F4-4CC3-A0B9-F03AA7BE37CF}" type="datetimeFigureOut">
               <a:rPr lang="en-US" smtClean="0"/>
-              <a:t>3/29/2020</a:t>
+              <a:t>3/30/2020</a:t>
             </a:fld>
             <a:endParaRPr lang="en-US"/>
           </a:p>
@@ -16249,7 +16249,7 @@
           <a:p>
             <a:fld id="{ED291B17-9318-49DB-B28B-6E5994AE9581}" type="datetime1">
               <a:rPr lang="en-US" smtClean="0"/>
-              <a:t>3/29/2020</a:t>
+              <a:t>3/30/2020</a:t>
             </a:fld>
             <a:endParaRPr lang="en-US"/>
           </a:p>
@@ -29592,6 +29592,42 @@
           <a:chExt cx="0" cy="0"/>
         </a:xfrm>
       </p:grpSpPr>
+      <p:pic>
+        <p:nvPicPr>
+          <p:cNvPr id="4" name="Grafik 3" descr="Ein Bild, das Computer enthält.&#10;&#10;Automatisch generierte Beschreibung">
+            <a:extLst>
+              <a:ext uri="{FF2B5EF4-FFF2-40B4-BE49-F238E27FC236}">
+                <a16:creationId xmlns:a16="http://schemas.microsoft.com/office/drawing/2014/main" id="{A702CE4D-573B-4379-866B-AA7E4AA5AA36}"/>
+              </a:ext>
+            </a:extLst>
+          </p:cNvPr>
+          <p:cNvPicPr>
+            <a:picLocks noChangeAspect="1"/>
+          </p:cNvPicPr>
+          <p:nvPr/>
+        </p:nvPicPr>
+        <p:blipFill>
+          <a:blip r:embed="rId2">
+            <a:extLst>
+              <a:ext uri="{28A0092B-C50C-407E-A947-70E740481C1C}">
+                <a14:useLocalDpi xmlns:a14="http://schemas.microsoft.com/office/drawing/2010/main" val="0"/>
+              </a:ext>
+            </a:extLst>
+          </a:blip>
+          <a:stretch>
+            <a:fillRect/>
+          </a:stretch>
+        </p:blipFill>
+        <p:spPr>
+          <a:xfrm>
+            <a:off x="1981451" y="1688363"/>
+            <a:ext cx="8193030" cy="4817138"/>
+          </a:xfrm>
+          <a:prstGeom prst="rect">
+            <a:avLst/>
+          </a:prstGeom>
+        </p:spPr>
+      </p:pic>
       <p:sp>
         <p:nvSpPr>
           <p:cNvPr id="2" name="Titel 1">
@@ -29646,7 +29682,7 @@
           <p:nvPr/>
         </p:nvPicPr>
         <p:blipFill>
-          <a:blip r:embed="rId2">
+          <a:blip r:embed="rId3">
             <a:extLst>
               <a:ext uri="{28A0092B-C50C-407E-A947-70E740481C1C}">
                 <a14:useLocalDpi xmlns:a14="http://schemas.microsoft.com/office/drawing/2010/main" val="0"/>
@@ -29669,10 +29705,10 @@
       </p:pic>
       <p:pic>
         <p:nvPicPr>
-          <p:cNvPr id="11" name="Grafik 10" descr="Ein Bild, das Uhr enthält.&#10;&#10;Automatisch generierte Beschreibung">
-            <a:extLst>
-              <a:ext uri="{FF2B5EF4-FFF2-40B4-BE49-F238E27FC236}">
-                <a16:creationId xmlns:a16="http://schemas.microsoft.com/office/drawing/2014/main" id="{AA20E333-643F-428F-A870-02E7587816D2}"/>
+          <p:cNvPr id="13" name="Grafik 12">
+            <a:extLst>
+              <a:ext uri="{FF2B5EF4-FFF2-40B4-BE49-F238E27FC236}">
+                <a16:creationId xmlns:a16="http://schemas.microsoft.com/office/drawing/2014/main" id="{08466084-815E-46B7-BC24-2FDDDCF65C6F}"/>
               </a:ext>
             </a:extLst>
           </p:cNvPr>
@@ -29682,7 +29718,7 @@
           <p:nvPr/>
         </p:nvPicPr>
         <p:blipFill>
-          <a:blip r:embed="rId3">
+          <a:blip r:embed="rId4">
             <a:extLst>
               <a:ext uri="{28A0092B-C50C-407E-A947-70E740481C1C}">
                 <a14:useLocalDpi xmlns:a14="http://schemas.microsoft.com/office/drawing/2010/main" val="0"/>
@@ -29695,43 +29731,7 @@
         </p:blipFill>
         <p:spPr>
           <a:xfrm>
-            <a:off x="2026786" y="1578802"/>
-            <a:ext cx="8138428" cy="4817138"/>
-          </a:xfrm>
-          <a:prstGeom prst="rect">
-            <a:avLst/>
-          </a:prstGeom>
-        </p:spPr>
-      </p:pic>
-      <p:pic>
-        <p:nvPicPr>
-          <p:cNvPr id="13" name="Grafik 12">
-            <a:extLst>
-              <a:ext uri="{FF2B5EF4-FFF2-40B4-BE49-F238E27FC236}">
-                <a16:creationId xmlns:a16="http://schemas.microsoft.com/office/drawing/2014/main" id="{08466084-815E-46B7-BC24-2FDDDCF65C6F}"/>
-              </a:ext>
-            </a:extLst>
-          </p:cNvPr>
-          <p:cNvPicPr>
-            <a:picLocks noChangeAspect="1"/>
-          </p:cNvPicPr>
-          <p:nvPr/>
-        </p:nvPicPr>
-        <p:blipFill>
-          <a:blip r:embed="rId4">
-            <a:extLst>
-              <a:ext uri="{28A0092B-C50C-407E-A947-70E740481C1C}">
-                <a14:useLocalDpi xmlns:a14="http://schemas.microsoft.com/office/drawing/2010/main" val="0"/>
-              </a:ext>
-            </a:extLst>
-          </a:blip>
-          <a:stretch>
-            <a:fillRect/>
-          </a:stretch>
-        </p:blipFill>
-        <p:spPr>
-          <a:xfrm>
-            <a:off x="8620701" y="2495444"/>
+            <a:off x="8673709" y="2680975"/>
             <a:ext cx="651710" cy="651710"/>
           </a:xfrm>
           <a:prstGeom prst="rect">
@@ -30464,29 +30464,86 @@
           <a:lstStyle/>
           <a:p>
             <a:r>
-              <a:rPr lang="en-US" sz="3200"/>
-              <a:t>Regelt Kommunikation im Kampf</a:t>
+              <a:rPr lang="en-US" sz="3200" dirty="0" err="1"/>
+              <a:t>Regelt</a:t>
             </a:r>
+            <a:r>
+              <a:rPr lang="en-US" sz="3200" dirty="0"/>
+              <a:t> </a:t>
+            </a:r>
+            <a:r>
+              <a:rPr lang="en-US" sz="3200" dirty="0" err="1"/>
+              <a:t>Kommunikation</a:t>
+            </a:r>
+            <a:r>
+              <a:rPr lang="en-US" sz="3200" dirty="0"/>
+              <a:t> </a:t>
+            </a:r>
+            <a:r>
+              <a:rPr lang="en-US" sz="3200" dirty="0" err="1"/>
+              <a:t>im</a:t>
+            </a:r>
+            <a:r>
+              <a:rPr lang="en-US" sz="3200" dirty="0"/>
+              <a:t> </a:t>
+            </a:r>
+            <a:r>
+              <a:rPr lang="en-US" sz="3200" dirty="0" err="1"/>
+              <a:t>Kampf</a:t>
+            </a:r>
+            <a:endParaRPr lang="en-US" sz="3200" dirty="0"/>
           </a:p>
           <a:p>
             <a:pPr marL="0" indent="0">
               <a:buNone/>
             </a:pPr>
-            <a:endParaRPr lang="en-US" sz="3200"/>
+            <a:endParaRPr lang="en-US" sz="3200" dirty="0"/>
           </a:p>
           <a:p>
             <a:r>
-              <a:rPr lang="en-US" sz="3200"/>
-              <a:t>Verbindung zwischen den Duellpartnern und dem Server</a:t>
+              <a:rPr lang="en-US" sz="3200" dirty="0" err="1"/>
+              <a:t>Verbindung</a:t>
+            </a:r>
+            <a:r>
+              <a:rPr lang="en-US" sz="3200" dirty="0"/>
+              <a:t> </a:t>
+            </a:r>
+            <a:r>
+              <a:rPr lang="en-US" sz="3200" dirty="0" err="1"/>
+              <a:t>zwischen</a:t>
+            </a:r>
+            <a:r>
+              <a:rPr lang="en-US" sz="3200" dirty="0"/>
+              <a:t> den </a:t>
+            </a:r>
+            <a:r>
+              <a:rPr lang="en-US" sz="3200" dirty="0" err="1"/>
+              <a:t>Duellpartnern</a:t>
+            </a:r>
+            <a:r>
+              <a:rPr lang="en-US" sz="3200" dirty="0"/>
+              <a:t> und dem Server</a:t>
             </a:r>
           </a:p>
           <a:p>
-            <a:endParaRPr lang="en-US" sz="3200"/>
+            <a:endParaRPr lang="en-US" sz="3200" dirty="0"/>
           </a:p>
           <a:p>
             <a:r>
-              <a:rPr lang="en-US" sz="3200"/>
-              <a:t>Ermöglicht das Kampfgeschehen </a:t>
+              <a:rPr lang="en-US" sz="3200" dirty="0" err="1"/>
+              <a:t>Ermöglicht</a:t>
+            </a:r>
+            <a:r>
+              <a:rPr lang="en-US" sz="3200" dirty="0"/>
+              <a:t> das </a:t>
+            </a:r>
+            <a:r>
+              <a:rPr lang="en-US" sz="3200" dirty="0" err="1"/>
+              <a:t>Kampfgeschehen</a:t>
+            </a:r>
+            <a:r>
+              <a:rPr lang="en-US" sz="3200" dirty="0"/>
+              <a:t> </a:t>
             </a:r>
           </a:p>
         </p:txBody>
@@ -30555,8 +30612,8 @@
         </p:blipFill>
         <p:spPr>
           <a:xfrm>
-            <a:off x="7284674" y="1936714"/>
-            <a:ext cx="1492286" cy="1492286"/>
+            <a:off x="7387379" y="2251453"/>
+            <a:ext cx="1021834" cy="1021834"/>
           </a:xfrm>
           <a:prstGeom prst="rect">
             <a:avLst/>
